--- a/All Docs/Docs/Project_Presentation.pptx
+++ b/All Docs/Docs/Project_Presentation.pptx
@@ -334,7 +334,7 @@
           <a:p>
             <a:fld id="{90E274D7-4140-4006-976A-8CBD3CE58488}" type="datetimeFigureOut">
               <a:rPr lang="en-IN" smtClean="0"/>
-              <a:t>16-09-2022</a:t>
+              <a:t>20-09-2022</a:t>
             </a:fld>
             <a:endParaRPr lang="en-IN" dirty="0"/>
           </a:p>
@@ -546,7 +546,7 @@
           <a:p>
             <a:fld id="{90E274D7-4140-4006-976A-8CBD3CE58488}" type="datetimeFigureOut">
               <a:rPr lang="en-IN" smtClean="0"/>
-              <a:t>16-09-2022</a:t>
+              <a:t>20-09-2022</a:t>
             </a:fld>
             <a:endParaRPr lang="en-IN" dirty="0"/>
           </a:p>
@@ -768,7 +768,7 @@
           <a:p>
             <a:fld id="{90E274D7-4140-4006-976A-8CBD3CE58488}" type="datetimeFigureOut">
               <a:rPr lang="en-IN" smtClean="0"/>
-              <a:t>16-09-2022</a:t>
+              <a:t>20-09-2022</a:t>
             </a:fld>
             <a:endParaRPr lang="en-IN" dirty="0"/>
           </a:p>
@@ -2947,7 +2947,7 @@
           <a:p>
             <a:fld id="{90E274D7-4140-4006-976A-8CBD3CE58488}" type="datetimeFigureOut">
               <a:rPr lang="en-IN" smtClean="0"/>
-              <a:t>16-09-2022</a:t>
+              <a:t>20-09-2022</a:t>
             </a:fld>
             <a:endParaRPr lang="en-IN" dirty="0"/>
           </a:p>
@@ -3907,7 +3907,7 @@
           <a:p>
             <a:fld id="{90E274D7-4140-4006-976A-8CBD3CE58488}" type="datetimeFigureOut">
               <a:rPr lang="en-IN" smtClean="0"/>
-              <a:t>16-09-2022</a:t>
+              <a:t>20-09-2022</a:t>
             </a:fld>
             <a:endParaRPr lang="en-IN" dirty="0"/>
           </a:p>
@@ -4187,7 +4187,7 @@
           <a:p>
             <a:fld id="{90E274D7-4140-4006-976A-8CBD3CE58488}" type="datetimeFigureOut">
               <a:rPr lang="en-IN" smtClean="0"/>
-              <a:t>16-09-2022</a:t>
+              <a:t>20-09-2022</a:t>
             </a:fld>
             <a:endParaRPr lang="en-IN" dirty="0"/>
           </a:p>
@@ -4614,7 +4614,7 @@
           <a:p>
             <a:fld id="{90E274D7-4140-4006-976A-8CBD3CE58488}" type="datetimeFigureOut">
               <a:rPr lang="en-IN" smtClean="0"/>
-              <a:t>16-09-2022</a:t>
+              <a:t>20-09-2022</a:t>
             </a:fld>
             <a:endParaRPr lang="en-IN" dirty="0"/>
           </a:p>
@@ -4768,7 +4768,7 @@
           <a:p>
             <a:fld id="{90E274D7-4140-4006-976A-8CBD3CE58488}" type="datetimeFigureOut">
               <a:rPr lang="en-IN" smtClean="0"/>
-              <a:t>16-09-2022</a:t>
+              <a:t>20-09-2022</a:t>
             </a:fld>
             <a:endParaRPr lang="en-IN" dirty="0"/>
           </a:p>
@@ -4893,7 +4893,7 @@
           <a:p>
             <a:fld id="{90E274D7-4140-4006-976A-8CBD3CE58488}" type="datetimeFigureOut">
               <a:rPr lang="en-IN" smtClean="0"/>
-              <a:t>16-09-2022</a:t>
+              <a:t>20-09-2022</a:t>
             </a:fld>
             <a:endParaRPr lang="en-IN" dirty="0"/>
           </a:p>
@@ -5218,7 +5218,7 @@
           <a:p>
             <a:fld id="{90E274D7-4140-4006-976A-8CBD3CE58488}" type="datetimeFigureOut">
               <a:rPr lang="en-IN" smtClean="0"/>
-              <a:t>16-09-2022</a:t>
+              <a:t>20-09-2022</a:t>
             </a:fld>
             <a:endParaRPr lang="en-IN" dirty="0"/>
           </a:p>
@@ -5523,7 +5523,7 @@
           <a:p>
             <a:fld id="{90E274D7-4140-4006-976A-8CBD3CE58488}" type="datetimeFigureOut">
               <a:rPr lang="en-IN" smtClean="0"/>
-              <a:t>16-09-2022</a:t>
+              <a:t>20-09-2022</a:t>
             </a:fld>
             <a:endParaRPr lang="en-IN" dirty="0"/>
           </a:p>
@@ -5881,7 +5881,7 @@
           <a:p>
             <a:fld id="{90E274D7-4140-4006-976A-8CBD3CE58488}" type="datetimeFigureOut">
               <a:rPr lang="en-IN" smtClean="0"/>
-              <a:t>16-09-2022</a:t>
+              <a:t>20-09-2022</a:t>
             </a:fld>
             <a:endParaRPr lang="en-IN" dirty="0"/>
           </a:p>
@@ -8636,6 +8636,26 @@
                 </a:solidFill>
               </a:rPr>
               <a:t>Mrs. </a:t>
+            </a:r>
+            <a:r>
+              <a:rPr lang="en-US" sz="2400">
+                <a:solidFill>
+                  <a:schemeClr val="bg2">
+                    <a:lumMod val="75000"/>
+                  </a:schemeClr>
+                </a:solidFill>
+              </a:rPr>
+              <a:t>Dhan Singh </a:t>
+            </a:r>
+            <a:r>
+              <a:rPr lang="en-US" sz="2400" dirty="0">
+                <a:solidFill>
+                  <a:schemeClr val="bg2">
+                    <a:lumMod val="75000"/>
+                  </a:schemeClr>
+                </a:solidFill>
+              </a:rPr>
+              <a:t>Sir </a:t>
             </a:r>
             <a:br>
               <a:rPr lang="en-IN" sz="1400" dirty="0">
